--- a/Final Pitch/Benefits.pptx
+++ b/Final Pitch/Benefits.pptx
@@ -6,6 +6,7 @@
   </p:sldMasterIdLst>
   <p:sldIdLst>
     <p:sldId id="261" r:id="rId2"/>
+    <p:sldId id="263" r:id="rId3"/>
   </p:sldIdLst>
   <p:sldSz cx="12192000" cy="6858000"/>
   <p:notesSz cx="6858000" cy="9144000"/>
@@ -260,7 +261,7 @@
             <a:fld id="{B61BEF0D-F0BB-DE4B-95CE-6DB70DBA9567}" type="datetimeFigureOut">
               <a:rPr lang="en-US" smtClean="0"/>
               <a:pPr/>
-              <a:t>12/16/2019</a:t>
+              <a:t>12/19/2019</a:t>
             </a:fld>
             <a:endParaRPr lang="en-US" dirty="0"/>
           </a:p>
@@ -460,7 +461,7 @@
             <a:fld id="{B61BEF0D-F0BB-DE4B-95CE-6DB70DBA9567}" type="datetimeFigureOut">
               <a:rPr lang="en-US" smtClean="0"/>
               <a:pPr/>
-              <a:t>12/16/2019</a:t>
+              <a:t>12/19/2019</a:t>
             </a:fld>
             <a:endParaRPr lang="en-US" dirty="0"/>
           </a:p>
@@ -670,7 +671,7 @@
             <a:fld id="{B61BEF0D-F0BB-DE4B-95CE-6DB70DBA9567}" type="datetimeFigureOut">
               <a:rPr lang="en-US" smtClean="0"/>
               <a:pPr/>
-              <a:t>12/16/2019</a:t>
+              <a:t>12/19/2019</a:t>
             </a:fld>
             <a:endParaRPr lang="en-US" dirty="0"/>
           </a:p>
@@ -870,7 +871,7 @@
             <a:fld id="{B61BEF0D-F0BB-DE4B-95CE-6DB70DBA9567}" type="datetimeFigureOut">
               <a:rPr lang="en-US" smtClean="0"/>
               <a:pPr/>
-              <a:t>12/16/2019</a:t>
+              <a:t>12/19/2019</a:t>
             </a:fld>
             <a:endParaRPr lang="en-US" dirty="0"/>
           </a:p>
@@ -1147,7 +1148,7 @@
             <a:fld id="{B61BEF0D-F0BB-DE4B-95CE-6DB70DBA9567}" type="datetimeFigureOut">
               <a:rPr lang="en-US" smtClean="0"/>
               <a:pPr/>
-              <a:t>12/16/2019</a:t>
+              <a:t>12/19/2019</a:t>
             </a:fld>
             <a:endParaRPr lang="en-US" dirty="0"/>
           </a:p>
@@ -1414,7 +1415,7 @@
             <a:fld id="{B61BEF0D-F0BB-DE4B-95CE-6DB70DBA9567}" type="datetimeFigureOut">
               <a:rPr lang="en-US" smtClean="0"/>
               <a:pPr/>
-              <a:t>12/16/2019</a:t>
+              <a:t>12/19/2019</a:t>
             </a:fld>
             <a:endParaRPr lang="en-US" dirty="0"/>
           </a:p>
@@ -1828,7 +1829,7 @@
             <a:fld id="{B61BEF0D-F0BB-DE4B-95CE-6DB70DBA9567}" type="datetimeFigureOut">
               <a:rPr lang="en-US" smtClean="0"/>
               <a:pPr/>
-              <a:t>12/16/2019</a:t>
+              <a:t>12/19/2019</a:t>
             </a:fld>
             <a:endParaRPr lang="en-US" dirty="0"/>
           </a:p>
@@ -1971,7 +1972,7 @@
             <a:fld id="{B61BEF0D-F0BB-DE4B-95CE-6DB70DBA9567}" type="datetimeFigureOut">
               <a:rPr lang="en-US" smtClean="0"/>
               <a:pPr/>
-              <a:t>12/16/2019</a:t>
+              <a:t>12/19/2019</a:t>
             </a:fld>
             <a:endParaRPr lang="en-US" dirty="0"/>
           </a:p>
@@ -2086,7 +2087,7 @@
             <a:fld id="{B61BEF0D-F0BB-DE4B-95CE-6DB70DBA9567}" type="datetimeFigureOut">
               <a:rPr lang="en-US" smtClean="0"/>
               <a:pPr/>
-              <a:t>12/16/2019</a:t>
+              <a:t>12/19/2019</a:t>
             </a:fld>
             <a:endParaRPr lang="en-US" dirty="0"/>
           </a:p>
@@ -2399,7 +2400,7 @@
             <a:fld id="{B61BEF0D-F0BB-DE4B-95CE-6DB70DBA9567}" type="datetimeFigureOut">
               <a:rPr lang="en-US" smtClean="0"/>
               <a:pPr/>
-              <a:t>12/16/2019</a:t>
+              <a:t>12/19/2019</a:t>
             </a:fld>
             <a:endParaRPr lang="en-US" dirty="0"/>
           </a:p>
@@ -2689,7 +2690,7 @@
             <a:fld id="{B61BEF0D-F0BB-DE4B-95CE-6DB70DBA9567}" type="datetimeFigureOut">
               <a:rPr lang="en-US" smtClean="0"/>
               <a:pPr/>
-              <a:t>12/16/2019</a:t>
+              <a:t>12/19/2019</a:t>
             </a:fld>
             <a:endParaRPr lang="en-US" dirty="0"/>
           </a:p>
@@ -2932,7 +2933,7 @@
             <a:fld id="{B61BEF0D-F0BB-DE4B-95CE-6DB70DBA9567}" type="datetimeFigureOut">
               <a:rPr lang="en-US" smtClean="0"/>
               <a:pPr/>
-              <a:t>12/16/2019</a:t>
+              <a:t>12/19/2019</a:t>
             </a:fld>
             <a:endParaRPr lang="en-US" dirty="0"/>
           </a:p>
@@ -3339,10 +3340,7 @@
     <p:bg>
       <p:bgPr>
         <a:solidFill>
-          <a:schemeClr val="bg1">
-            <a:tint val="95000"/>
-            <a:satMod val="170000"/>
-          </a:schemeClr>
+          <a:schemeClr val="accent1"/>
         </a:solidFill>
         <a:effectLst/>
       </p:bgPr>
@@ -3786,8 +3784,8 @@
         </p:nvSpPr>
         <p:spPr>
           <a:xfrm>
-            <a:off x="5198993" y="1412489"/>
-            <a:ext cx="2926080" cy="4363844"/>
+            <a:off x="4480438" y="1412489"/>
+            <a:ext cx="7234484" cy="4723268"/>
           </a:xfrm>
         </p:spPr>
         <p:txBody>
@@ -3800,47 +3798,49 @@
               <a:buNone/>
             </a:pPr>
             <a:r>
-              <a:rPr lang="en-US" sz="1800" b="1" dirty="0">
-                <a:solidFill>
-                  <a:schemeClr val="accent1"/>
-                </a:solidFill>
-              </a:rPr>
+              <a:rPr lang="en-US" sz="2400" b="1" dirty="0"/>
               <a:t>For Customers </a:t>
             </a:r>
           </a:p>
           <a:p>
-            <a:r>
-              <a:rPr lang="en-US" sz="1600" dirty="0"/>
+            <a:pPr marL="0" indent="0">
+              <a:buNone/>
+            </a:pPr>
+            <a:endParaRPr lang="en-US" sz="2400" b="1" dirty="0"/>
+          </a:p>
+          <a:p>
+            <a:r>
+              <a:rPr lang="en-US" sz="2000" dirty="0"/>
               <a:t>Quick information access and Saves time </a:t>
             </a:r>
           </a:p>
           <a:p>
             <a:r>
-              <a:rPr lang="en-US" sz="1600" dirty="0"/>
+              <a:rPr lang="en-US" sz="2000" dirty="0"/>
               <a:t>Real time assistance through chatbot or skype call </a:t>
             </a:r>
           </a:p>
           <a:p>
             <a:r>
-              <a:rPr lang="en-US" sz="1600" dirty="0"/>
+              <a:rPr lang="en-US" sz="2000" dirty="0"/>
               <a:t>Options for  contacting the mortgage advisor or getting the query resolution by a skype call</a:t>
             </a:r>
           </a:p>
           <a:p>
             <a:r>
-              <a:rPr lang="en-US" sz="1600" dirty="0"/>
+              <a:rPr lang="en-US" sz="2000" dirty="0"/>
               <a:t>Mortgage process knowledge before contacting the Bank</a:t>
             </a:r>
           </a:p>
           <a:p>
             <a:r>
-              <a:rPr lang="en-US" sz="1600" dirty="0"/>
+              <a:rPr lang="en-US" sz="2000" dirty="0"/>
               <a:t>Increasing transparency in the mortgage process </a:t>
             </a:r>
           </a:p>
           <a:p>
             <a:r>
-              <a:rPr lang="en-US" sz="1600" dirty="0"/>
+              <a:rPr lang="en-US" sz="2000" dirty="0"/>
               <a:t>Improve trust in the entire process </a:t>
             </a:r>
           </a:p>
@@ -3863,7 +3863,7 @@
         <p:spPr>
           <a:xfrm>
             <a:off x="8451604" y="1412489"/>
-            <a:ext cx="2926080" cy="4363844"/>
+            <a:ext cx="864674" cy="1516241"/>
           </a:xfrm>
           <a:prstGeom prst="rect">
             <a:avLst/>
@@ -4092,275 +4092,6 @@
             </a:lvl9pPr>
           </a:lstStyle>
           <a:p>
-            <a:pPr marL="0" marR="0" lvl="0" indent="0" defTabSz="914400" fontAlgn="auto">
-              <a:lnSpc>
-                <a:spcPct val="90000"/>
-              </a:lnSpc>
-              <a:spcBef>
-                <a:spcPts val="1000"/>
-              </a:spcBef>
-              <a:spcAft>
-                <a:spcPts val="0"/>
-              </a:spcAft>
-              <a:buClr>
-                <a:srgbClr val="4472C4"/>
-              </a:buClr>
-              <a:buSzTx/>
-              <a:buNone/>
-              <a:tabLst/>
-              <a:defRPr/>
-            </a:pPr>
-            <a:r>
-              <a:rPr kumimoji="0" lang="en-US" b="1" i="0" u="none" strike="noStrike" cap="none" spc="0" normalizeH="0" baseline="0" noProof="0" dirty="0">
-                <a:ln>
-                  <a:noFill/>
-                </a:ln>
-                <a:solidFill>
-                  <a:schemeClr val="accent1"/>
-                </a:solidFill>
-                <a:effectLst/>
-                <a:uLnTx/>
-                <a:uFillTx/>
-              </a:rPr>
-              <a:t>For </a:t>
-            </a:r>
-            <a:r>
-              <a:rPr kumimoji="0" lang="en-US" b="1" i="0" u="none" strike="noStrike" cap="none" spc="0" normalizeH="0" baseline="0" noProof="0" dirty="0" err="1">
-                <a:ln>
-                  <a:noFill/>
-                </a:ln>
-                <a:solidFill>
-                  <a:schemeClr val="accent1"/>
-                </a:solidFill>
-                <a:effectLst/>
-                <a:uLnTx/>
-                <a:uFillTx/>
-              </a:rPr>
-              <a:t>Moneypark</a:t>
-            </a:r>
-            <a:endParaRPr kumimoji="0" lang="en-US" b="1" i="0" u="none" strike="noStrike" cap="none" spc="0" normalizeH="0" baseline="0" noProof="0" dirty="0">
-              <a:ln>
-                <a:noFill/>
-              </a:ln>
-              <a:solidFill>
-                <a:schemeClr val="accent1"/>
-              </a:solidFill>
-              <a:effectLst/>
-              <a:uLnTx/>
-              <a:uFillTx/>
-            </a:endParaRPr>
-          </a:p>
-          <a:p>
-            <a:pPr marL="228600" marR="0" lvl="0" indent="-228600" defTabSz="914400" fontAlgn="auto">
-              <a:lnSpc>
-                <a:spcPct val="90000"/>
-              </a:lnSpc>
-              <a:spcBef>
-                <a:spcPts val="1000"/>
-              </a:spcBef>
-              <a:spcAft>
-                <a:spcPts val="0"/>
-              </a:spcAft>
-              <a:buClr>
-                <a:srgbClr val="4472C4"/>
-              </a:buClr>
-              <a:buSzTx/>
-              <a:buFont typeface="Arial" panose="020B0604020202020204" pitchFamily="34" charset="0"/>
-              <a:buChar char="•"/>
-              <a:tabLst/>
-              <a:defRPr/>
-            </a:pPr>
-            <a:r>
-              <a:rPr kumimoji="0" lang="en-US" sz="1600" b="0" i="0" u="none" strike="noStrike" cap="none" spc="0" normalizeH="0" baseline="0" noProof="0" dirty="0">
-                <a:ln>
-                  <a:noFill/>
-                </a:ln>
-                <a:solidFill>
-                  <a:schemeClr val="tx1"/>
-                </a:solidFill>
-                <a:effectLst/>
-                <a:uLnTx/>
-                <a:uFillTx/>
-              </a:rPr>
-              <a:t>Subscription based business model</a:t>
-            </a:r>
-          </a:p>
-          <a:p>
-            <a:pPr marL="228600" marR="0" lvl="0" indent="-228600" defTabSz="914400" fontAlgn="auto">
-              <a:lnSpc>
-                <a:spcPct val="90000"/>
-              </a:lnSpc>
-              <a:spcBef>
-                <a:spcPts val="1000"/>
-              </a:spcBef>
-              <a:spcAft>
-                <a:spcPts val="0"/>
-              </a:spcAft>
-              <a:buClr>
-                <a:srgbClr val="4472C4"/>
-              </a:buClr>
-              <a:buSzTx/>
-              <a:buFont typeface="Arial" panose="020B0604020202020204" pitchFamily="34" charset="0"/>
-              <a:buChar char="•"/>
-              <a:tabLst/>
-              <a:defRPr/>
-            </a:pPr>
-            <a:r>
-              <a:rPr kumimoji="0" lang="en-US" sz="1600" b="0" i="0" u="none" strike="noStrike" cap="none" spc="0" normalizeH="0" baseline="0" noProof="0" dirty="0">
-                <a:ln>
-                  <a:noFill/>
-                </a:ln>
-                <a:solidFill>
-                  <a:schemeClr val="tx1"/>
-                </a:solidFill>
-                <a:effectLst/>
-                <a:uLnTx/>
-                <a:uFillTx/>
-              </a:rPr>
-              <a:t>Increase profitability and reduce cost (by providing virtual assistance)</a:t>
-            </a:r>
-          </a:p>
-          <a:p>
-            <a:pPr marL="228600" marR="0" lvl="0" indent="-228600" defTabSz="914400" fontAlgn="auto">
-              <a:lnSpc>
-                <a:spcPct val="90000"/>
-              </a:lnSpc>
-              <a:spcBef>
-                <a:spcPts val="1000"/>
-              </a:spcBef>
-              <a:spcAft>
-                <a:spcPts val="0"/>
-              </a:spcAft>
-              <a:buClr>
-                <a:srgbClr val="4472C4"/>
-              </a:buClr>
-              <a:buSzTx/>
-              <a:buFont typeface="Arial" panose="020B0604020202020204" pitchFamily="34" charset="0"/>
-              <a:buChar char="•"/>
-              <a:tabLst/>
-              <a:defRPr/>
-            </a:pPr>
-            <a:r>
-              <a:rPr kumimoji="0" lang="en-US" sz="1600" b="0" i="0" u="none" strike="noStrike" cap="none" spc="0" normalizeH="0" baseline="0" noProof="0" dirty="0">
-                <a:ln>
-                  <a:noFill/>
-                </a:ln>
-                <a:solidFill>
-                  <a:schemeClr val="tx1"/>
-                </a:solidFill>
-                <a:effectLst/>
-                <a:uLnTx/>
-                <a:uFillTx/>
-              </a:rPr>
-              <a:t>Create the customer community for mortgage information exchange </a:t>
-            </a:r>
-          </a:p>
-          <a:p>
-            <a:pPr marL="228600" marR="0" lvl="0" indent="-228600" defTabSz="914400" fontAlgn="auto">
-              <a:lnSpc>
-                <a:spcPct val="90000"/>
-              </a:lnSpc>
-              <a:spcBef>
-                <a:spcPts val="1000"/>
-              </a:spcBef>
-              <a:spcAft>
-                <a:spcPts val="0"/>
-              </a:spcAft>
-              <a:buClr>
-                <a:srgbClr val="4472C4"/>
-              </a:buClr>
-              <a:buSzTx/>
-              <a:buFont typeface="Arial" panose="020B0604020202020204" pitchFamily="34" charset="0"/>
-              <a:buChar char="•"/>
-              <a:tabLst/>
-              <a:defRPr/>
-            </a:pPr>
-            <a:r>
-              <a:rPr kumimoji="0" lang="en-US" sz="1600" b="0" i="0" u="none" strike="noStrike" cap="none" spc="0" normalizeH="0" baseline="0" noProof="0" dirty="0">
-                <a:ln>
-                  <a:noFill/>
-                </a:ln>
-                <a:solidFill>
-                  <a:schemeClr val="tx1"/>
-                </a:solidFill>
-                <a:effectLst/>
-                <a:uLnTx/>
-                <a:uFillTx/>
-              </a:rPr>
-              <a:t>Facilitate mortgage transparency and assist fair competition</a:t>
-            </a:r>
-          </a:p>
-          <a:p>
-            <a:pPr marL="228600" marR="0" lvl="0" indent="-228600" defTabSz="914400" fontAlgn="auto">
-              <a:lnSpc>
-                <a:spcPct val="90000"/>
-              </a:lnSpc>
-              <a:spcBef>
-                <a:spcPts val="1000"/>
-              </a:spcBef>
-              <a:spcAft>
-                <a:spcPts val="0"/>
-              </a:spcAft>
-              <a:buClr>
-                <a:srgbClr val="4472C4"/>
-              </a:buClr>
-              <a:buSzTx/>
-              <a:buFont typeface="Arial" panose="020B0604020202020204" pitchFamily="34" charset="0"/>
-              <a:buChar char="•"/>
-              <a:tabLst/>
-              <a:defRPr/>
-            </a:pPr>
-            <a:r>
-              <a:rPr kumimoji="0" lang="en-US" sz="1600" b="0" i="0" u="none" strike="noStrike" cap="none" spc="0" normalizeH="0" baseline="0" noProof="0" dirty="0">
-                <a:ln>
-                  <a:noFill/>
-                </a:ln>
-                <a:solidFill>
-                  <a:schemeClr val="tx1"/>
-                </a:solidFill>
-                <a:effectLst/>
-                <a:uLnTx/>
-                <a:uFillTx/>
-              </a:rPr>
-              <a:t>Increase product portfolio</a:t>
-            </a:r>
-          </a:p>
-          <a:p>
-            <a:pPr marL="228600" marR="0" lvl="0" indent="-228600" defTabSz="914400" fontAlgn="auto">
-              <a:lnSpc>
-                <a:spcPct val="90000"/>
-              </a:lnSpc>
-              <a:spcBef>
-                <a:spcPts val="1000"/>
-              </a:spcBef>
-              <a:spcAft>
-                <a:spcPts val="0"/>
-              </a:spcAft>
-              <a:buClr>
-                <a:srgbClr val="4472C4"/>
-              </a:buClr>
-              <a:buSzTx/>
-              <a:buFont typeface="Arial" panose="020B0604020202020204" pitchFamily="34" charset="0"/>
-              <a:buChar char="•"/>
-              <a:tabLst/>
-              <a:defRPr/>
-            </a:pPr>
-            <a:r>
-              <a:rPr kumimoji="0" lang="en-US" sz="1600" b="0" i="0" u="none" strike="noStrike" cap="none" spc="0" normalizeH="0" baseline="0" noProof="0" dirty="0">
-                <a:ln>
-                  <a:noFill/>
-                </a:ln>
-                <a:solidFill>
-                  <a:schemeClr val="tx1"/>
-                </a:solidFill>
-                <a:effectLst/>
-                <a:uLnTx/>
-                <a:uFillTx/>
-              </a:rPr>
-              <a:t>Centralized database </a:t>
-            </a:r>
-          </a:p>
-          <a:p>
             <a:pPr marL="114300" marR="0" lvl="0" indent="-228600" defTabSz="914400" fontAlgn="auto">
               <a:lnSpc>
                 <a:spcPct val="90000"/>
@@ -4398,6 +4129,1038 @@
     <p:extLst>
       <p:ext uri="{BB962C8B-B14F-4D97-AF65-F5344CB8AC3E}">
         <p14:creationId xmlns:p14="http://schemas.microsoft.com/office/powerpoint/2010/main" val="2612820046"/>
+      </p:ext>
+    </p:extLst>
+  </p:cSld>
+  <p:clrMapOvr>
+    <a:overrideClrMapping bg1="dk1" tx1="lt1" bg2="dk2" tx2="lt2" accent1="accent1" accent2="accent2" accent3="accent3" accent4="accent4" accent5="accent5" accent6="accent6" hlink="hlink" folHlink="folHlink"/>
+  </p:clrMapOvr>
+</p:sld>
+</file>
+
+<file path=ppt/slides/slide2.xml><?xml version="1.0" encoding="utf-8"?>
+<p:sld xmlns:a="http://schemas.openxmlformats.org/drawingml/2006/main" xmlns:r="http://schemas.openxmlformats.org/officeDocument/2006/relationships" xmlns:p="http://schemas.openxmlformats.org/presentationml/2006/main">
+  <p:cSld>
+    <p:bg>
+      <p:bgPr>
+        <a:solidFill>
+          <a:schemeClr val="accent1"/>
+        </a:solidFill>
+        <a:effectLst/>
+      </p:bgPr>
+    </p:bg>
+    <p:spTree>
+      <p:nvGrpSpPr>
+        <p:cNvPr id="1" name=""/>
+        <p:cNvGrpSpPr/>
+        <p:nvPr/>
+      </p:nvGrpSpPr>
+      <p:grpSpPr>
+        <a:xfrm>
+          <a:off x="0" y="0"/>
+          <a:ext cx="0" cy="0"/>
+          <a:chOff x="0" y="0"/>
+          <a:chExt cx="0" cy="0"/>
+        </a:xfrm>
+      </p:grpSpPr>
+      <p:sp>
+        <p:nvSpPr>
+          <p:cNvPr id="17" name="Freeform: Shape 16">
+            <a:extLst>
+              <a:ext uri="{FF2B5EF4-FFF2-40B4-BE49-F238E27FC236}">
+                <a16:creationId xmlns:a16="http://schemas.microsoft.com/office/drawing/2014/main" id="{1DE7243B-5109-444B-8FAF-7437C66BC0E9}"/>
+              </a:ext>
+              <a:ext uri="{C183D7F6-B498-43B3-948B-1728B52AA6E4}">
+                <adec:decorative xmlns:adec="http://schemas.microsoft.com/office/drawing/2017/decorative" val="1"/>
+              </a:ext>
+            </a:extLst>
+          </p:cNvPr>
+          <p:cNvSpPr>
+            <a:spLocks noGrp="1" noRot="1" noChangeAspect="1" noMove="1" noResize="1" noEditPoints="1" noAdjustHandles="1" noChangeArrowheads="1" noChangeShapeType="1" noTextEdit="1"/>
+          </p:cNvSpPr>
+          <p:nvPr>
+            <p:extLst>
+              <p:ext uri="{386F3935-93C4-4BCD-93E2-E3B085C9AB24}">
+                <p16:designElem xmlns:p16="http://schemas.microsoft.com/office/powerpoint/2015/main" val="1"/>
+              </p:ext>
+            </p:extLst>
+          </p:nvPr>
+        </p:nvSpPr>
+        <p:spPr>
+          <a:xfrm flipH="1">
+            <a:off x="0" y="0"/>
+            <a:ext cx="4421332" cy="6858000"/>
+          </a:xfrm>
+          <a:custGeom>
+            <a:avLst/>
+            <a:gdLst>
+              <a:gd name="connsiteX0" fmla="*/ 4421332 w 4421332"/>
+              <a:gd name="connsiteY0" fmla="*/ 0 h 6858000"/>
+              <a:gd name="connsiteX1" fmla="*/ 69075 w 4421332"/>
+              <a:gd name="connsiteY1" fmla="*/ 0 h 6858000"/>
+              <a:gd name="connsiteX2" fmla="*/ 35131 w 4421332"/>
+              <a:gd name="connsiteY2" fmla="*/ 267128 h 6858000"/>
+              <a:gd name="connsiteX3" fmla="*/ 0 w 4421332"/>
+              <a:gd name="connsiteY3" fmla="*/ 962845 h 6858000"/>
+              <a:gd name="connsiteX4" fmla="*/ 3276103 w 4421332"/>
+              <a:gd name="connsiteY4" fmla="*/ 6782205 h 6858000"/>
+              <a:gd name="connsiteX5" fmla="*/ 3407923 w 4421332"/>
+              <a:gd name="connsiteY5" fmla="*/ 6858000 h 6858000"/>
+              <a:gd name="connsiteX6" fmla="*/ 4421332 w 4421332"/>
+              <a:gd name="connsiteY6" fmla="*/ 6858000 h 6858000"/>
+            </a:gdLst>
+            <a:ahLst/>
+            <a:cxnLst>
+              <a:cxn ang="0">
+                <a:pos x="connsiteX0" y="connsiteY0"/>
+              </a:cxn>
+              <a:cxn ang="0">
+                <a:pos x="connsiteX1" y="connsiteY1"/>
+              </a:cxn>
+              <a:cxn ang="0">
+                <a:pos x="connsiteX2" y="connsiteY2"/>
+              </a:cxn>
+              <a:cxn ang="0">
+                <a:pos x="connsiteX3" y="connsiteY3"/>
+              </a:cxn>
+              <a:cxn ang="0">
+                <a:pos x="connsiteX4" y="connsiteY4"/>
+              </a:cxn>
+              <a:cxn ang="0">
+                <a:pos x="connsiteX5" y="connsiteY5"/>
+              </a:cxn>
+              <a:cxn ang="0">
+                <a:pos x="connsiteX6" y="connsiteY6"/>
+              </a:cxn>
+            </a:cxnLst>
+            <a:rect l="l" t="t" r="r" b="b"/>
+            <a:pathLst>
+              <a:path w="4421332" h="6858000">
+                <a:moveTo>
+                  <a:pt x="4421332" y="0"/>
+                </a:moveTo>
+                <a:lnTo>
+                  <a:pt x="69075" y="0"/>
+                </a:lnTo>
+                <a:lnTo>
+                  <a:pt x="35131" y="267128"/>
+                </a:lnTo>
+                <a:cubicBezTo>
+                  <a:pt x="11901" y="495874"/>
+                  <a:pt x="0" y="727970"/>
+                  <a:pt x="0" y="962845"/>
+                </a:cubicBezTo>
+                <a:cubicBezTo>
+                  <a:pt x="0" y="3429034"/>
+                  <a:pt x="1312002" y="5588789"/>
+                  <a:pt x="3276103" y="6782205"/>
+                </a:cubicBezTo>
+                <a:lnTo>
+                  <a:pt x="3407923" y="6858000"/>
+                </a:lnTo>
+                <a:lnTo>
+                  <a:pt x="4421332" y="6858000"/>
+                </a:lnTo>
+                <a:close/>
+              </a:path>
+            </a:pathLst>
+          </a:custGeom>
+          <a:solidFill>
+            <a:srgbClr val="FFFFFF">
+              <a:alpha val="80000"/>
+            </a:srgbClr>
+          </a:solidFill>
+          <a:ln>
+            <a:noFill/>
+          </a:ln>
+        </p:spPr>
+        <p:style>
+          <a:lnRef idx="2">
+            <a:schemeClr val="accent1">
+              <a:shade val="50000"/>
+            </a:schemeClr>
+          </a:lnRef>
+          <a:fillRef idx="1">
+            <a:schemeClr val="accent1"/>
+          </a:fillRef>
+          <a:effectRef idx="0">
+            <a:schemeClr val="accent1"/>
+          </a:effectRef>
+          <a:fontRef idx="minor">
+            <a:schemeClr val="lt1"/>
+          </a:fontRef>
+        </p:style>
+        <p:txBody>
+          <a:bodyPr wrap="square" rtlCol="0" anchor="ctr">
+            <a:noAutofit/>
+          </a:bodyPr>
+          <a:lstStyle/>
+          <a:p>
+            <a:pPr marL="0" marR="0" lvl="0" indent="0" algn="ctr" defTabSz="914400" rtl="0" eaLnBrk="1" fontAlgn="auto" latinLnBrk="0" hangingPunct="1">
+              <a:lnSpc>
+                <a:spcPct val="100000"/>
+              </a:lnSpc>
+              <a:spcBef>
+                <a:spcPts val="0"/>
+              </a:spcBef>
+              <a:spcAft>
+                <a:spcPts val="0"/>
+              </a:spcAft>
+              <a:buClrTx/>
+              <a:buSzTx/>
+              <a:buFontTx/>
+              <a:buNone/>
+              <a:tabLst/>
+              <a:defRPr/>
+            </a:pPr>
+            <a:endParaRPr kumimoji="0" lang="en-US" sz="1800" b="0" i="0" u="none" strike="noStrike" kern="1200" cap="none" spc="0" normalizeH="0" baseline="0" noProof="0">
+              <a:ln>
+                <a:noFill/>
+              </a:ln>
+              <a:solidFill>
+                <a:prstClr val="white"/>
+              </a:solidFill>
+              <a:effectLst/>
+              <a:uLnTx/>
+              <a:uFillTx/>
+              <a:latin typeface="Calibri" panose="020F0502020204030204"/>
+              <a:ea typeface="+mn-ea"/>
+              <a:cs typeface="+mn-cs"/>
+            </a:endParaRPr>
+          </a:p>
+        </p:txBody>
+      </p:sp>
+      <p:sp>
+        <p:nvSpPr>
+          <p:cNvPr id="19" name="Freeform: Shape 18">
+            <a:extLst>
+              <a:ext uri="{FF2B5EF4-FFF2-40B4-BE49-F238E27FC236}">
+                <a16:creationId xmlns:a16="http://schemas.microsoft.com/office/drawing/2014/main" id="{4C5D6221-DA7B-4611-AA26-7D8E349FDE96}"/>
+              </a:ext>
+              <a:ext uri="{C183D7F6-B498-43B3-948B-1728B52AA6E4}">
+                <adec:decorative xmlns:adec="http://schemas.microsoft.com/office/drawing/2017/decorative" val="1"/>
+              </a:ext>
+            </a:extLst>
+          </p:cNvPr>
+          <p:cNvSpPr>
+            <a:spLocks noGrp="1" noRot="1" noChangeAspect="1" noMove="1" noResize="1" noEditPoints="1" noAdjustHandles="1" noChangeArrowheads="1" noChangeShapeType="1" noTextEdit="1"/>
+          </p:cNvSpPr>
+          <p:nvPr>
+            <p:extLst>
+              <p:ext uri="{386F3935-93C4-4BCD-93E2-E3B085C9AB24}">
+                <p16:designElem xmlns:p16="http://schemas.microsoft.com/office/powerpoint/2015/main" val="1"/>
+              </p:ext>
+            </p:extLst>
+          </p:nvPr>
+        </p:nvSpPr>
+        <p:spPr>
+          <a:xfrm>
+            <a:off x="1" y="0"/>
+            <a:ext cx="4232227" cy="6858000"/>
+          </a:xfrm>
+          <a:custGeom>
+            <a:avLst/>
+            <a:gdLst>
+              <a:gd name="connsiteX0" fmla="*/ 0 w 4232227"/>
+              <a:gd name="connsiteY0" fmla="*/ 0 h 6858000"/>
+              <a:gd name="connsiteX1" fmla="*/ 4161853 w 4232227"/>
+              <a:gd name="connsiteY1" fmla="*/ 0 h 6858000"/>
+              <a:gd name="connsiteX2" fmla="*/ 4197953 w 4232227"/>
+              <a:gd name="connsiteY2" fmla="*/ 284091 h 6858000"/>
+              <a:gd name="connsiteX3" fmla="*/ 4232227 w 4232227"/>
+              <a:gd name="connsiteY3" fmla="*/ 962844 h 6858000"/>
+              <a:gd name="connsiteX4" fmla="*/ 758007 w 4232227"/>
+              <a:gd name="connsiteY4" fmla="*/ 6800152 h 6858000"/>
+              <a:gd name="connsiteX5" fmla="*/ 645060 w 4232227"/>
+              <a:gd name="connsiteY5" fmla="*/ 6858000 h 6858000"/>
+              <a:gd name="connsiteX6" fmla="*/ 0 w 4232227"/>
+              <a:gd name="connsiteY6" fmla="*/ 6858000 h 6858000"/>
+            </a:gdLst>
+            <a:ahLst/>
+            <a:cxnLst>
+              <a:cxn ang="0">
+                <a:pos x="connsiteX0" y="connsiteY0"/>
+              </a:cxn>
+              <a:cxn ang="0">
+                <a:pos x="connsiteX1" y="connsiteY1"/>
+              </a:cxn>
+              <a:cxn ang="0">
+                <a:pos x="connsiteX2" y="connsiteY2"/>
+              </a:cxn>
+              <a:cxn ang="0">
+                <a:pos x="connsiteX3" y="connsiteY3"/>
+              </a:cxn>
+              <a:cxn ang="0">
+                <a:pos x="connsiteX4" y="connsiteY4"/>
+              </a:cxn>
+              <a:cxn ang="0">
+                <a:pos x="connsiteX5" y="connsiteY5"/>
+              </a:cxn>
+              <a:cxn ang="0">
+                <a:pos x="connsiteX6" y="connsiteY6"/>
+              </a:cxn>
+            </a:cxnLst>
+            <a:rect l="l" t="t" r="r" b="b"/>
+            <a:pathLst>
+              <a:path w="4232227" h="6858000">
+                <a:moveTo>
+                  <a:pt x="0" y="0"/>
+                </a:moveTo>
+                <a:lnTo>
+                  <a:pt x="4161853" y="0"/>
+                </a:lnTo>
+                <a:lnTo>
+                  <a:pt x="4197953" y="284091"/>
+                </a:lnTo>
+                <a:cubicBezTo>
+                  <a:pt x="4220617" y="507260"/>
+                  <a:pt x="4232227" y="733696"/>
+                  <a:pt x="4232227" y="962844"/>
+                </a:cubicBezTo>
+                <a:cubicBezTo>
+                  <a:pt x="4232227" y="3483472"/>
+                  <a:pt x="2827409" y="5675986"/>
+                  <a:pt x="758007" y="6800152"/>
+                </a:cubicBezTo>
+                <a:lnTo>
+                  <a:pt x="645060" y="6858000"/>
+                </a:lnTo>
+                <a:lnTo>
+                  <a:pt x="0" y="6858000"/>
+                </a:lnTo>
+                <a:close/>
+              </a:path>
+            </a:pathLst>
+          </a:custGeom>
+          <a:solidFill>
+            <a:schemeClr val="tx1">
+              <a:lumMod val="75000"/>
+              <a:lumOff val="25000"/>
+            </a:schemeClr>
+          </a:solidFill>
+          <a:ln>
+            <a:noFill/>
+          </a:ln>
+        </p:spPr>
+        <p:style>
+          <a:lnRef idx="2">
+            <a:schemeClr val="accent1">
+              <a:shade val="50000"/>
+            </a:schemeClr>
+          </a:lnRef>
+          <a:fillRef idx="1">
+            <a:schemeClr val="accent1"/>
+          </a:fillRef>
+          <a:effectRef idx="0">
+            <a:schemeClr val="accent1"/>
+          </a:effectRef>
+          <a:fontRef idx="minor">
+            <a:schemeClr val="lt1"/>
+          </a:fontRef>
+        </p:style>
+        <p:txBody>
+          <a:bodyPr wrap="square" rtlCol="0" anchor="ctr">
+            <a:noAutofit/>
+          </a:bodyPr>
+          <a:lstStyle/>
+          <a:p>
+            <a:pPr marL="0" marR="0" lvl="0" indent="0" algn="ctr" defTabSz="914400" rtl="0" eaLnBrk="1" fontAlgn="auto" latinLnBrk="0" hangingPunct="1">
+              <a:lnSpc>
+                <a:spcPct val="100000"/>
+              </a:lnSpc>
+              <a:spcBef>
+                <a:spcPts val="0"/>
+              </a:spcBef>
+              <a:spcAft>
+                <a:spcPts val="0"/>
+              </a:spcAft>
+              <a:buClrTx/>
+              <a:buSzTx/>
+              <a:buFontTx/>
+              <a:buNone/>
+              <a:tabLst/>
+              <a:defRPr/>
+            </a:pPr>
+            <a:endParaRPr kumimoji="0" lang="en-US" sz="1800" b="0" i="0" u="none" strike="noStrike" kern="1200" cap="none" spc="0" normalizeH="0" baseline="0" noProof="0">
+              <a:ln>
+                <a:noFill/>
+              </a:ln>
+              <a:solidFill>
+                <a:prstClr val="white"/>
+              </a:solidFill>
+              <a:effectLst/>
+              <a:uLnTx/>
+              <a:uFillTx/>
+              <a:latin typeface="Calibri" panose="020F0502020204030204"/>
+              <a:ea typeface="+mn-ea"/>
+              <a:cs typeface="+mn-cs"/>
+            </a:endParaRPr>
+          </a:p>
+        </p:txBody>
+      </p:sp>
+      <p:sp>
+        <p:nvSpPr>
+          <p:cNvPr id="2" name="Title 1">
+            <a:extLst>
+              <a:ext uri="{FF2B5EF4-FFF2-40B4-BE49-F238E27FC236}">
+                <a16:creationId xmlns:a16="http://schemas.microsoft.com/office/drawing/2014/main" id="{396F67FB-724A-AC40-A4F0-7C3F8B78F273}"/>
+              </a:ext>
+            </a:extLst>
+          </p:cNvPr>
+          <p:cNvSpPr>
+            <a:spLocks noGrp="1"/>
+          </p:cNvSpPr>
+          <p:nvPr>
+            <p:ph type="title"/>
+          </p:nvPr>
+        </p:nvSpPr>
+        <p:spPr>
+          <a:xfrm>
+            <a:off x="804672" y="1412489"/>
+            <a:ext cx="2871095" cy="2127124"/>
+          </a:xfrm>
+        </p:spPr>
+        <p:txBody>
+          <a:bodyPr vert="horz" lIns="91440" tIns="45720" rIns="91440" bIns="45720" rtlCol="0" anchor="t">
+            <a:normAutofit/>
+          </a:bodyPr>
+          <a:lstStyle/>
+          <a:p>
+            <a:br>
+              <a:rPr lang="en-US" sz="3600" kern="1200" dirty="0">
+                <a:solidFill>
+                  <a:schemeClr val="bg1"/>
+                </a:solidFill>
+                <a:latin typeface="+mj-lt"/>
+                <a:ea typeface="+mj-ea"/>
+                <a:cs typeface="+mj-cs"/>
+              </a:rPr>
+            </a:br>
+            <a:br>
+              <a:rPr lang="en-US" sz="3600" kern="1200" dirty="0">
+                <a:solidFill>
+                  <a:schemeClr val="bg1"/>
+                </a:solidFill>
+                <a:latin typeface="+mj-lt"/>
+                <a:ea typeface="+mj-ea"/>
+                <a:cs typeface="+mj-cs"/>
+              </a:rPr>
+            </a:br>
+            <a:br>
+              <a:rPr lang="en-US" sz="3600" kern="1200" dirty="0">
+                <a:solidFill>
+                  <a:schemeClr val="bg1"/>
+                </a:solidFill>
+                <a:latin typeface="+mj-lt"/>
+                <a:ea typeface="+mj-ea"/>
+                <a:cs typeface="+mj-cs"/>
+              </a:rPr>
+            </a:br>
+            <a:r>
+              <a:rPr lang="en-US" sz="3600" kern="1200" dirty="0">
+                <a:solidFill>
+                  <a:schemeClr val="bg1"/>
+                </a:solidFill>
+                <a:latin typeface="+mj-lt"/>
+                <a:ea typeface="+mj-ea"/>
+                <a:cs typeface="+mj-cs"/>
+              </a:rPr>
+              <a:t>Benefits</a:t>
+            </a:r>
+          </a:p>
+        </p:txBody>
+      </p:sp>
+      <p:sp>
+        <p:nvSpPr>
+          <p:cNvPr id="5" name="Content Placeholder 2">
+            <a:extLst>
+              <a:ext uri="{FF2B5EF4-FFF2-40B4-BE49-F238E27FC236}">
+                <a16:creationId xmlns:a16="http://schemas.microsoft.com/office/drawing/2014/main" id="{E7C3F555-5706-AE44-A66B-56B7458F5E9A}"/>
+              </a:ext>
+            </a:extLst>
+          </p:cNvPr>
+          <p:cNvSpPr txBox="1">
+            <a:spLocks/>
+          </p:cNvSpPr>
+          <p:nvPr/>
+        </p:nvSpPr>
+        <p:spPr>
+          <a:xfrm>
+            <a:off x="4421332" y="1412488"/>
+            <a:ext cx="7465868" cy="4391963"/>
+          </a:xfrm>
+          <a:prstGeom prst="rect">
+            <a:avLst/>
+          </a:prstGeom>
+        </p:spPr>
+        <p:txBody>
+          <a:bodyPr vert="horz" lIns="91440" tIns="45720" rIns="91440" bIns="45720" rtlCol="0">
+            <a:normAutofit/>
+          </a:bodyPr>
+          <a:lstStyle>
+            <a:lvl1pPr marL="342900" indent="-342900" algn="l" defTabSz="457200" rtl="0" eaLnBrk="1" latinLnBrk="0" hangingPunct="1">
+              <a:spcBef>
+                <a:spcPts val="1000"/>
+              </a:spcBef>
+              <a:spcAft>
+                <a:spcPts val="0"/>
+              </a:spcAft>
+              <a:buClr>
+                <a:schemeClr val="accent1"/>
+              </a:buClr>
+              <a:buFont typeface="Wingdings 3" charset="2"/>
+              <a:buChar char=""/>
+              <a:defRPr sz="1800" kern="1200">
+                <a:solidFill>
+                  <a:schemeClr val="tx1">
+                    <a:lumMod val="75000"/>
+                    <a:lumOff val="25000"/>
+                  </a:schemeClr>
+                </a:solidFill>
+                <a:latin typeface="+mn-lt"/>
+                <a:ea typeface="+mn-ea"/>
+                <a:cs typeface="+mn-cs"/>
+              </a:defRPr>
+            </a:lvl1pPr>
+            <a:lvl2pPr marL="742950" indent="-285750" algn="l" defTabSz="457200" rtl="0" eaLnBrk="1" latinLnBrk="0" hangingPunct="1">
+              <a:spcBef>
+                <a:spcPts val="1000"/>
+              </a:spcBef>
+              <a:spcAft>
+                <a:spcPts val="0"/>
+              </a:spcAft>
+              <a:buClr>
+                <a:schemeClr val="accent1"/>
+              </a:buClr>
+              <a:buFont typeface="Wingdings 3" charset="2"/>
+              <a:buChar char=""/>
+              <a:defRPr sz="1600" kern="1200">
+                <a:solidFill>
+                  <a:schemeClr val="tx1">
+                    <a:lumMod val="75000"/>
+                    <a:lumOff val="25000"/>
+                  </a:schemeClr>
+                </a:solidFill>
+                <a:latin typeface="+mn-lt"/>
+                <a:ea typeface="+mn-ea"/>
+                <a:cs typeface="+mn-cs"/>
+              </a:defRPr>
+            </a:lvl2pPr>
+            <a:lvl3pPr marL="1143000" indent="-228600" algn="l" defTabSz="457200" rtl="0" eaLnBrk="1" latinLnBrk="0" hangingPunct="1">
+              <a:spcBef>
+                <a:spcPts val="1000"/>
+              </a:spcBef>
+              <a:spcAft>
+                <a:spcPts val="0"/>
+              </a:spcAft>
+              <a:buClr>
+                <a:schemeClr val="accent1"/>
+              </a:buClr>
+              <a:buFont typeface="Wingdings 3" charset="2"/>
+              <a:buChar char=""/>
+              <a:defRPr sz="1400" kern="1200">
+                <a:solidFill>
+                  <a:schemeClr val="tx1">
+                    <a:lumMod val="75000"/>
+                    <a:lumOff val="25000"/>
+                  </a:schemeClr>
+                </a:solidFill>
+                <a:latin typeface="+mn-lt"/>
+                <a:ea typeface="+mn-ea"/>
+                <a:cs typeface="+mn-cs"/>
+              </a:defRPr>
+            </a:lvl3pPr>
+            <a:lvl4pPr marL="1600200" indent="-228600" algn="l" defTabSz="457200" rtl="0" eaLnBrk="1" latinLnBrk="0" hangingPunct="1">
+              <a:spcBef>
+                <a:spcPts val="1000"/>
+              </a:spcBef>
+              <a:spcAft>
+                <a:spcPts val="0"/>
+              </a:spcAft>
+              <a:buClr>
+                <a:schemeClr val="accent1"/>
+              </a:buClr>
+              <a:buFont typeface="Wingdings 3" charset="2"/>
+              <a:buChar char=""/>
+              <a:defRPr sz="1200" kern="1200">
+                <a:solidFill>
+                  <a:schemeClr val="tx1">
+                    <a:lumMod val="75000"/>
+                    <a:lumOff val="25000"/>
+                  </a:schemeClr>
+                </a:solidFill>
+                <a:latin typeface="+mn-lt"/>
+                <a:ea typeface="+mn-ea"/>
+                <a:cs typeface="+mn-cs"/>
+              </a:defRPr>
+            </a:lvl4pPr>
+            <a:lvl5pPr marL="2057400" indent="-228600" algn="l" defTabSz="457200" rtl="0" eaLnBrk="1" latinLnBrk="0" hangingPunct="1">
+              <a:spcBef>
+                <a:spcPts val="1000"/>
+              </a:spcBef>
+              <a:spcAft>
+                <a:spcPts val="0"/>
+              </a:spcAft>
+              <a:buClr>
+                <a:schemeClr val="accent1"/>
+              </a:buClr>
+              <a:buFont typeface="Wingdings 3" charset="2"/>
+              <a:buChar char=""/>
+              <a:defRPr sz="1200" kern="1200">
+                <a:solidFill>
+                  <a:schemeClr val="tx1">
+                    <a:lumMod val="75000"/>
+                    <a:lumOff val="25000"/>
+                  </a:schemeClr>
+                </a:solidFill>
+                <a:latin typeface="+mn-lt"/>
+                <a:ea typeface="+mn-ea"/>
+                <a:cs typeface="+mn-cs"/>
+              </a:defRPr>
+            </a:lvl5pPr>
+            <a:lvl6pPr marL="2514600" indent="-228600" algn="l" defTabSz="457200" rtl="0" eaLnBrk="1" latinLnBrk="0" hangingPunct="1">
+              <a:spcBef>
+                <a:spcPts val="1000"/>
+              </a:spcBef>
+              <a:spcAft>
+                <a:spcPts val="0"/>
+              </a:spcAft>
+              <a:buClr>
+                <a:schemeClr val="accent1"/>
+              </a:buClr>
+              <a:buFont typeface="Wingdings 3" charset="2"/>
+              <a:buChar char=""/>
+              <a:defRPr sz="1200" kern="1200">
+                <a:solidFill>
+                  <a:schemeClr val="tx1">
+                    <a:lumMod val="75000"/>
+                    <a:lumOff val="25000"/>
+                  </a:schemeClr>
+                </a:solidFill>
+                <a:latin typeface="+mn-lt"/>
+                <a:ea typeface="+mn-ea"/>
+                <a:cs typeface="+mn-cs"/>
+              </a:defRPr>
+            </a:lvl6pPr>
+            <a:lvl7pPr marL="2971800" indent="-228600" algn="l" defTabSz="457200" rtl="0" eaLnBrk="1" latinLnBrk="0" hangingPunct="1">
+              <a:spcBef>
+                <a:spcPts val="1000"/>
+              </a:spcBef>
+              <a:spcAft>
+                <a:spcPts val="0"/>
+              </a:spcAft>
+              <a:buClr>
+                <a:schemeClr val="accent1"/>
+              </a:buClr>
+              <a:buFont typeface="Wingdings 3" charset="2"/>
+              <a:buChar char=""/>
+              <a:defRPr sz="1200" kern="1200">
+                <a:solidFill>
+                  <a:schemeClr val="tx1">
+                    <a:lumMod val="75000"/>
+                    <a:lumOff val="25000"/>
+                  </a:schemeClr>
+                </a:solidFill>
+                <a:latin typeface="+mn-lt"/>
+                <a:ea typeface="+mn-ea"/>
+                <a:cs typeface="+mn-cs"/>
+              </a:defRPr>
+            </a:lvl7pPr>
+            <a:lvl8pPr marL="3429000" indent="-228600" algn="l" defTabSz="457200" rtl="0" eaLnBrk="1" latinLnBrk="0" hangingPunct="1">
+              <a:spcBef>
+                <a:spcPts val="1000"/>
+              </a:spcBef>
+              <a:spcAft>
+                <a:spcPts val="0"/>
+              </a:spcAft>
+              <a:buClr>
+                <a:schemeClr val="accent1"/>
+              </a:buClr>
+              <a:buFont typeface="Wingdings 3" charset="2"/>
+              <a:buChar char=""/>
+              <a:defRPr sz="1200" kern="1200">
+                <a:solidFill>
+                  <a:schemeClr val="tx1">
+                    <a:lumMod val="75000"/>
+                    <a:lumOff val="25000"/>
+                  </a:schemeClr>
+                </a:solidFill>
+                <a:latin typeface="+mn-lt"/>
+                <a:ea typeface="+mn-ea"/>
+                <a:cs typeface="+mn-cs"/>
+              </a:defRPr>
+            </a:lvl8pPr>
+            <a:lvl9pPr marL="3886200" indent="-228600" algn="l" defTabSz="457200" rtl="0" eaLnBrk="1" latinLnBrk="0" hangingPunct="1">
+              <a:spcBef>
+                <a:spcPts val="1000"/>
+              </a:spcBef>
+              <a:spcAft>
+                <a:spcPts val="0"/>
+              </a:spcAft>
+              <a:buClr>
+                <a:schemeClr val="accent1"/>
+              </a:buClr>
+              <a:buFont typeface="Wingdings 3" charset="2"/>
+              <a:buChar char=""/>
+              <a:defRPr sz="1200" kern="1200">
+                <a:solidFill>
+                  <a:schemeClr val="tx1">
+                    <a:lumMod val="75000"/>
+                    <a:lumOff val="25000"/>
+                  </a:schemeClr>
+                </a:solidFill>
+                <a:latin typeface="+mn-lt"/>
+                <a:ea typeface="+mn-ea"/>
+                <a:cs typeface="+mn-cs"/>
+              </a:defRPr>
+            </a:lvl9pPr>
+          </a:lstStyle>
+          <a:p>
+            <a:pPr marL="0" marR="0" lvl="0" indent="0" algn="l" defTabSz="914400" rtl="0" eaLnBrk="1" fontAlgn="auto" latinLnBrk="0" hangingPunct="1">
+              <a:lnSpc>
+                <a:spcPct val="90000"/>
+              </a:lnSpc>
+              <a:spcBef>
+                <a:spcPts val="1000"/>
+              </a:spcBef>
+              <a:spcAft>
+                <a:spcPts val="0"/>
+              </a:spcAft>
+              <a:buClr>
+                <a:srgbClr val="4472C4"/>
+              </a:buClr>
+              <a:buSzTx/>
+              <a:buFont typeface="Wingdings 3" charset="2"/>
+              <a:buNone/>
+              <a:tabLst/>
+              <a:defRPr/>
+            </a:pPr>
+            <a:r>
+              <a:rPr kumimoji="0" lang="en-US" sz="2400" b="1" i="0" u="none" strike="noStrike" kern="1200" cap="none" spc="0" normalizeH="0" baseline="0" noProof="0" dirty="0">
+                <a:ln>
+                  <a:noFill/>
+                </a:ln>
+                <a:solidFill>
+                  <a:schemeClr val="tx1"/>
+                </a:solidFill>
+                <a:effectLst/>
+                <a:uLnTx/>
+                <a:uFillTx/>
+                <a:latin typeface="Calibri" panose="020F0502020204030204"/>
+                <a:ea typeface="+mn-ea"/>
+                <a:cs typeface="+mn-cs"/>
+              </a:rPr>
+              <a:t>For Organization</a:t>
+            </a:r>
+            <a:endParaRPr lang="en-US" sz="2400" b="1" dirty="0">
+              <a:solidFill>
+                <a:schemeClr val="tx1"/>
+              </a:solidFill>
+              <a:latin typeface="Calibri" panose="020F0502020204030204"/>
+            </a:endParaRPr>
+          </a:p>
+          <a:p>
+            <a:pPr marL="0" marR="0" lvl="0" indent="0" algn="l" defTabSz="914400" rtl="0" eaLnBrk="1" fontAlgn="auto" latinLnBrk="0" hangingPunct="1">
+              <a:lnSpc>
+                <a:spcPct val="90000"/>
+              </a:lnSpc>
+              <a:spcBef>
+                <a:spcPts val="1000"/>
+              </a:spcBef>
+              <a:spcAft>
+                <a:spcPts val="0"/>
+              </a:spcAft>
+              <a:buClr>
+                <a:srgbClr val="4472C4"/>
+              </a:buClr>
+              <a:buSzTx/>
+              <a:buFont typeface="Wingdings 3" charset="2"/>
+              <a:buNone/>
+              <a:tabLst/>
+              <a:defRPr/>
+            </a:pPr>
+            <a:endParaRPr kumimoji="0" lang="en-US" sz="2400" b="1" i="0" u="none" strike="noStrike" kern="1200" cap="none" spc="0" normalizeH="0" baseline="0" noProof="0" dirty="0">
+              <a:ln>
+                <a:noFill/>
+              </a:ln>
+              <a:solidFill>
+                <a:schemeClr val="tx1"/>
+              </a:solidFill>
+              <a:effectLst/>
+              <a:uLnTx/>
+              <a:uFillTx/>
+              <a:latin typeface="Calibri" panose="020F0502020204030204"/>
+            </a:endParaRPr>
+          </a:p>
+          <a:p>
+            <a:pPr marL="228600" marR="0" lvl="0" indent="-228600" algn="l" defTabSz="914400" rtl="0" eaLnBrk="1" fontAlgn="auto" latinLnBrk="0" hangingPunct="1">
+              <a:lnSpc>
+                <a:spcPct val="90000"/>
+              </a:lnSpc>
+              <a:spcBef>
+                <a:spcPts val="1000"/>
+              </a:spcBef>
+              <a:spcAft>
+                <a:spcPts val="0"/>
+              </a:spcAft>
+              <a:buClr>
+                <a:srgbClr val="4472C4"/>
+              </a:buClr>
+              <a:buSzTx/>
+              <a:buFont typeface="Arial" panose="020B0604020202020204" pitchFamily="34" charset="0"/>
+              <a:buChar char="•"/>
+              <a:tabLst/>
+              <a:defRPr/>
+            </a:pPr>
+            <a:r>
+              <a:rPr kumimoji="0" lang="en-US" sz="2000" b="0" i="0" u="none" strike="noStrike" kern="1200" cap="none" spc="0" normalizeH="0" baseline="0" noProof="0" dirty="0">
+                <a:ln>
+                  <a:noFill/>
+                </a:ln>
+                <a:solidFill>
+                  <a:prstClr val="white"/>
+                </a:solidFill>
+                <a:effectLst/>
+                <a:uLnTx/>
+                <a:uFillTx/>
+                <a:latin typeface="Calibri" panose="020F0502020204030204"/>
+                <a:ea typeface="+mn-ea"/>
+                <a:cs typeface="+mn-cs"/>
+              </a:rPr>
+              <a:t>Subscription based business model</a:t>
+            </a:r>
+          </a:p>
+          <a:p>
+            <a:pPr marL="228600" marR="0" lvl="0" indent="-228600" algn="l" defTabSz="914400" rtl="0" eaLnBrk="1" fontAlgn="auto" latinLnBrk="0" hangingPunct="1">
+              <a:lnSpc>
+                <a:spcPct val="90000"/>
+              </a:lnSpc>
+              <a:spcBef>
+                <a:spcPts val="1000"/>
+              </a:spcBef>
+              <a:spcAft>
+                <a:spcPts val="0"/>
+              </a:spcAft>
+              <a:buClr>
+                <a:srgbClr val="4472C4"/>
+              </a:buClr>
+              <a:buSzTx/>
+              <a:buFont typeface="Arial" panose="020B0604020202020204" pitchFamily="34" charset="0"/>
+              <a:buChar char="•"/>
+              <a:tabLst/>
+              <a:defRPr/>
+            </a:pPr>
+            <a:r>
+              <a:rPr kumimoji="0" lang="en-US" sz="2000" b="0" i="0" u="none" strike="noStrike" kern="1200" cap="none" spc="0" normalizeH="0" baseline="0" noProof="0" dirty="0">
+                <a:ln>
+                  <a:noFill/>
+                </a:ln>
+                <a:solidFill>
+                  <a:prstClr val="white"/>
+                </a:solidFill>
+                <a:effectLst/>
+                <a:uLnTx/>
+                <a:uFillTx/>
+                <a:latin typeface="Calibri" panose="020F0502020204030204"/>
+                <a:ea typeface="+mn-ea"/>
+                <a:cs typeface="+mn-cs"/>
+              </a:rPr>
+              <a:t>Increase profitability and reduce cost (by providing virtual assistance)</a:t>
+            </a:r>
+          </a:p>
+          <a:p>
+            <a:pPr marL="228600" marR="0" lvl="0" indent="-228600" algn="l" defTabSz="914400" rtl="0" eaLnBrk="1" fontAlgn="auto" latinLnBrk="0" hangingPunct="1">
+              <a:lnSpc>
+                <a:spcPct val="90000"/>
+              </a:lnSpc>
+              <a:spcBef>
+                <a:spcPts val="1000"/>
+              </a:spcBef>
+              <a:spcAft>
+                <a:spcPts val="0"/>
+              </a:spcAft>
+              <a:buClr>
+                <a:srgbClr val="4472C4"/>
+              </a:buClr>
+              <a:buSzTx/>
+              <a:buFont typeface="Arial" panose="020B0604020202020204" pitchFamily="34" charset="0"/>
+              <a:buChar char="•"/>
+              <a:tabLst/>
+              <a:defRPr/>
+            </a:pPr>
+            <a:r>
+              <a:rPr kumimoji="0" lang="en-US" sz="2000" b="0" i="0" u="none" strike="noStrike" kern="1200" cap="none" spc="0" normalizeH="0" baseline="0" noProof="0" dirty="0">
+                <a:ln>
+                  <a:noFill/>
+                </a:ln>
+                <a:solidFill>
+                  <a:prstClr val="white"/>
+                </a:solidFill>
+                <a:effectLst/>
+                <a:uLnTx/>
+                <a:uFillTx/>
+                <a:latin typeface="Calibri" panose="020F0502020204030204"/>
+                <a:ea typeface="+mn-ea"/>
+                <a:cs typeface="+mn-cs"/>
+              </a:rPr>
+              <a:t>Create the customer community for mortgage information exchange </a:t>
+            </a:r>
+          </a:p>
+          <a:p>
+            <a:pPr marL="228600" marR="0" lvl="0" indent="-228600" algn="l" defTabSz="914400" rtl="0" eaLnBrk="1" fontAlgn="auto" latinLnBrk="0" hangingPunct="1">
+              <a:lnSpc>
+                <a:spcPct val="90000"/>
+              </a:lnSpc>
+              <a:spcBef>
+                <a:spcPts val="1000"/>
+              </a:spcBef>
+              <a:spcAft>
+                <a:spcPts val="0"/>
+              </a:spcAft>
+              <a:buClr>
+                <a:srgbClr val="4472C4"/>
+              </a:buClr>
+              <a:buSzTx/>
+              <a:buFont typeface="Arial" panose="020B0604020202020204" pitchFamily="34" charset="0"/>
+              <a:buChar char="•"/>
+              <a:tabLst/>
+              <a:defRPr/>
+            </a:pPr>
+            <a:r>
+              <a:rPr kumimoji="0" lang="en-US" sz="2000" b="0" i="0" u="none" strike="noStrike" kern="1200" cap="none" spc="0" normalizeH="0" baseline="0" noProof="0" dirty="0">
+                <a:ln>
+                  <a:noFill/>
+                </a:ln>
+                <a:solidFill>
+                  <a:prstClr val="white"/>
+                </a:solidFill>
+                <a:effectLst/>
+                <a:uLnTx/>
+                <a:uFillTx/>
+                <a:latin typeface="Calibri" panose="020F0502020204030204"/>
+                <a:ea typeface="+mn-ea"/>
+                <a:cs typeface="+mn-cs"/>
+              </a:rPr>
+              <a:t>Facilitate mortgage transparency and assist fair competition</a:t>
+            </a:r>
+          </a:p>
+          <a:p>
+            <a:pPr marL="228600" marR="0" lvl="0" indent="-228600" algn="l" defTabSz="914400" rtl="0" eaLnBrk="1" fontAlgn="auto" latinLnBrk="0" hangingPunct="1">
+              <a:lnSpc>
+                <a:spcPct val="90000"/>
+              </a:lnSpc>
+              <a:spcBef>
+                <a:spcPts val="1000"/>
+              </a:spcBef>
+              <a:spcAft>
+                <a:spcPts val="0"/>
+              </a:spcAft>
+              <a:buClr>
+                <a:srgbClr val="4472C4"/>
+              </a:buClr>
+              <a:buSzTx/>
+              <a:buFont typeface="Arial" panose="020B0604020202020204" pitchFamily="34" charset="0"/>
+              <a:buChar char="•"/>
+              <a:tabLst/>
+              <a:defRPr/>
+            </a:pPr>
+            <a:r>
+              <a:rPr kumimoji="0" lang="en-US" sz="2000" b="0" i="0" u="none" strike="noStrike" kern="1200" cap="none" spc="0" normalizeH="0" baseline="0" noProof="0" dirty="0">
+                <a:ln>
+                  <a:noFill/>
+                </a:ln>
+                <a:solidFill>
+                  <a:prstClr val="white"/>
+                </a:solidFill>
+                <a:effectLst/>
+                <a:uLnTx/>
+                <a:uFillTx/>
+                <a:latin typeface="Calibri" panose="020F0502020204030204"/>
+                <a:ea typeface="+mn-ea"/>
+                <a:cs typeface="+mn-cs"/>
+              </a:rPr>
+              <a:t>Increase product portfolio</a:t>
+            </a:r>
+          </a:p>
+          <a:p>
+            <a:pPr marL="228600" marR="0" lvl="0" indent="-228600" algn="l" defTabSz="914400" rtl="0" eaLnBrk="1" fontAlgn="auto" latinLnBrk="0" hangingPunct="1">
+              <a:lnSpc>
+                <a:spcPct val="90000"/>
+              </a:lnSpc>
+              <a:spcBef>
+                <a:spcPts val="1000"/>
+              </a:spcBef>
+              <a:spcAft>
+                <a:spcPts val="0"/>
+              </a:spcAft>
+              <a:buClr>
+                <a:srgbClr val="4472C4"/>
+              </a:buClr>
+              <a:buSzTx/>
+              <a:buFont typeface="Arial" panose="020B0604020202020204" pitchFamily="34" charset="0"/>
+              <a:buChar char="•"/>
+              <a:tabLst/>
+              <a:defRPr/>
+            </a:pPr>
+            <a:r>
+              <a:rPr kumimoji="0" lang="en-US" sz="2000" b="0" i="0" u="none" strike="noStrike" kern="1200" cap="none" spc="0" normalizeH="0" baseline="0" noProof="0" dirty="0">
+                <a:ln>
+                  <a:noFill/>
+                </a:ln>
+                <a:solidFill>
+                  <a:prstClr val="white"/>
+                </a:solidFill>
+                <a:effectLst/>
+                <a:uLnTx/>
+                <a:uFillTx/>
+                <a:latin typeface="Calibri" panose="020F0502020204030204"/>
+                <a:ea typeface="+mn-ea"/>
+                <a:cs typeface="+mn-cs"/>
+              </a:rPr>
+              <a:t>Centralized database </a:t>
+            </a:r>
+          </a:p>
+          <a:p>
+            <a:pPr marL="114300" marR="0" lvl="0" indent="-228600" algn="l" defTabSz="914400" rtl="0" eaLnBrk="1" fontAlgn="auto" latinLnBrk="0" hangingPunct="1">
+              <a:lnSpc>
+                <a:spcPct val="90000"/>
+              </a:lnSpc>
+              <a:spcBef>
+                <a:spcPts val="1000"/>
+              </a:spcBef>
+              <a:spcAft>
+                <a:spcPts val="0"/>
+              </a:spcAft>
+              <a:buClr>
+                <a:srgbClr val="4472C4"/>
+              </a:buClr>
+              <a:buSzTx/>
+              <a:buFont typeface="Arial" panose="020B0604020202020204" pitchFamily="34" charset="0"/>
+              <a:buChar char="•"/>
+              <a:tabLst/>
+              <a:defRPr/>
+            </a:pPr>
+            <a:endParaRPr kumimoji="0" lang="en-US" sz="1700" b="0" i="0" u="none" strike="noStrike" kern="1200" cap="none" spc="0" normalizeH="0" baseline="0" noProof="0" dirty="0">
+              <a:ln>
+                <a:noFill/>
+              </a:ln>
+              <a:solidFill>
+                <a:prstClr val="white"/>
+              </a:solidFill>
+              <a:effectLst/>
+              <a:uLnTx/>
+              <a:uFillTx/>
+              <a:latin typeface="Calibri" panose="020F0502020204030204"/>
+              <a:ea typeface="+mn-ea"/>
+              <a:cs typeface="+mn-cs"/>
+            </a:endParaRPr>
+          </a:p>
+        </p:txBody>
+      </p:sp>
+    </p:spTree>
+    <p:extLst>
+      <p:ext uri="{BB962C8B-B14F-4D97-AF65-F5344CB8AC3E}">
+        <p14:creationId xmlns:p14="http://schemas.microsoft.com/office/powerpoint/2010/main" val="2947125604"/>
       </p:ext>
     </p:extLst>
   </p:cSld>
